--- a/docs/images/diagrams.pptx
+++ b/docs/images/diagrams.pptx
@@ -261,7 +261,7 @@
           <a:p>
             <a:fld id="{E1401BA4-237C-B44E-BFA4-C7505F294036}" type="datetimeFigureOut">
               <a:rPr lang="en-US" smtClean="0"/>
-              <a:t>4/9/2021</a:t>
+              <a:t>4/20/2021</a:t>
             </a:fld>
             <a:endParaRPr lang="en-US"/>
           </a:p>
@@ -459,7 +459,7 @@
           <a:p>
             <a:fld id="{E1401BA4-237C-B44E-BFA4-C7505F294036}" type="datetimeFigureOut">
               <a:rPr lang="en-US" smtClean="0"/>
-              <a:t>4/9/2021</a:t>
+              <a:t>4/20/2021</a:t>
             </a:fld>
             <a:endParaRPr lang="en-US"/>
           </a:p>
@@ -667,7 +667,7 @@
           <a:p>
             <a:fld id="{E1401BA4-237C-B44E-BFA4-C7505F294036}" type="datetimeFigureOut">
               <a:rPr lang="en-US" smtClean="0"/>
-              <a:t>4/9/2021</a:t>
+              <a:t>4/20/2021</a:t>
             </a:fld>
             <a:endParaRPr lang="en-US"/>
           </a:p>
@@ -865,7 +865,7 @@
           <a:p>
             <a:fld id="{E1401BA4-237C-B44E-BFA4-C7505F294036}" type="datetimeFigureOut">
               <a:rPr lang="en-US" smtClean="0"/>
-              <a:t>4/9/2021</a:t>
+              <a:t>4/20/2021</a:t>
             </a:fld>
             <a:endParaRPr lang="en-US"/>
           </a:p>
@@ -1140,7 +1140,7 @@
           <a:p>
             <a:fld id="{E1401BA4-237C-B44E-BFA4-C7505F294036}" type="datetimeFigureOut">
               <a:rPr lang="en-US" smtClean="0"/>
-              <a:t>4/9/2021</a:t>
+              <a:t>4/20/2021</a:t>
             </a:fld>
             <a:endParaRPr lang="en-US"/>
           </a:p>
@@ -1405,7 +1405,7 @@
           <a:p>
             <a:fld id="{E1401BA4-237C-B44E-BFA4-C7505F294036}" type="datetimeFigureOut">
               <a:rPr lang="en-US" smtClean="0"/>
-              <a:t>4/9/2021</a:t>
+              <a:t>4/20/2021</a:t>
             </a:fld>
             <a:endParaRPr lang="en-US"/>
           </a:p>
@@ -1817,7 +1817,7 @@
           <a:p>
             <a:fld id="{E1401BA4-237C-B44E-BFA4-C7505F294036}" type="datetimeFigureOut">
               <a:rPr lang="en-US" smtClean="0"/>
-              <a:t>4/9/2021</a:t>
+              <a:t>4/20/2021</a:t>
             </a:fld>
             <a:endParaRPr lang="en-US"/>
           </a:p>
@@ -1958,7 +1958,7 @@
           <a:p>
             <a:fld id="{E1401BA4-237C-B44E-BFA4-C7505F294036}" type="datetimeFigureOut">
               <a:rPr lang="en-US" smtClean="0"/>
-              <a:t>4/9/2021</a:t>
+              <a:t>4/20/2021</a:t>
             </a:fld>
             <a:endParaRPr lang="en-US"/>
           </a:p>
@@ -2071,7 +2071,7 @@
           <a:p>
             <a:fld id="{E1401BA4-237C-B44E-BFA4-C7505F294036}" type="datetimeFigureOut">
               <a:rPr lang="en-US" smtClean="0"/>
-              <a:t>4/9/2021</a:t>
+              <a:t>4/20/2021</a:t>
             </a:fld>
             <a:endParaRPr lang="en-US"/>
           </a:p>
@@ -2382,7 +2382,7 @@
           <a:p>
             <a:fld id="{E1401BA4-237C-B44E-BFA4-C7505F294036}" type="datetimeFigureOut">
               <a:rPr lang="en-US" smtClean="0"/>
-              <a:t>4/9/2021</a:t>
+              <a:t>4/20/2021</a:t>
             </a:fld>
             <a:endParaRPr lang="en-US"/>
           </a:p>
@@ -2670,7 +2670,7 @@
           <a:p>
             <a:fld id="{E1401BA4-237C-B44E-BFA4-C7505F294036}" type="datetimeFigureOut">
               <a:rPr lang="en-US" smtClean="0"/>
-              <a:t>4/9/2021</a:t>
+              <a:t>4/20/2021</a:t>
             </a:fld>
             <a:endParaRPr lang="en-US"/>
           </a:p>
@@ -2911,7 +2911,7 @@
           <a:p>
             <a:fld id="{E1401BA4-237C-B44E-BFA4-C7505F294036}" type="datetimeFigureOut">
               <a:rPr lang="en-US" smtClean="0"/>
-              <a:t>4/9/2021</a:t>
+              <a:t>4/20/2021</a:t>
             </a:fld>
             <a:endParaRPr lang="en-US"/>
           </a:p>
@@ -3416,9 +3416,10 @@
           <a:p>
             <a:pPr algn="ctr"/>
             <a:r>
-              <a:rPr lang="en-US" dirty="0"/>
-              <a:t>AzureSharedResource</a:t>
-            </a:r>
+              <a:rPr lang="en-US" dirty="0" err="1"/>
+              <a:t>SharedResource</a:t>
+            </a:r>
+            <a:endParaRPr lang="en-US" dirty="0"/>
           </a:p>
         </p:txBody>
       </p:sp>
@@ -4062,9 +4063,10 @@
             <a:p>
               <a:pPr algn="ctr"/>
               <a:r>
-                <a:rPr lang="en-US" dirty="0"/>
-                <a:t>AzureSharedResource</a:t>
+                <a:rPr lang="en-US" dirty="0" err="1"/>
+                <a:t>SharedResource</a:t>
               </a:r>
+              <a:endParaRPr lang="en-US" dirty="0"/>
             </a:p>
           </p:txBody>
         </p:sp>
@@ -4177,9 +4179,10 @@
             <a:p>
               <a:pPr algn="ctr"/>
               <a:r>
-                <a:rPr lang="en-US" dirty="0"/>
-                <a:t>AzureSharedResource</a:t>
+                <a:rPr lang="en-US" dirty="0" err="1"/>
+                <a:t>SharedResource</a:t>
               </a:r>
+              <a:endParaRPr lang="en-US" dirty="0"/>
             </a:p>
           </p:txBody>
         </p:sp>
@@ -5410,7 +5413,15 @@
             </a:pPr>
             <a:r>
               <a:rPr lang="en-US" sz="1400" dirty="0"/>
-              <a:t>The AzureSharedResource leases partitions so that it can safely use capacity.</a:t>
+              <a:t>The </a:t>
+            </a:r>
+            <a:r>
+              <a:rPr lang="en-US" sz="1400" dirty="0" err="1"/>
+              <a:t>SharedResource</a:t>
+            </a:r>
+            <a:r>
+              <a:rPr lang="en-US" sz="1400" dirty="0"/>
+              <a:t> leases partitions so that it can safely use capacity.</a:t>
             </a:r>
           </a:p>
           <a:p>

--- a/docs/images/diagrams.pptx
+++ b/docs/images/diagrams.pptx
@@ -261,7 +261,7 @@
           <a:p>
             <a:fld id="{E1401BA4-237C-B44E-BFA4-C7505F294036}" type="datetimeFigureOut">
               <a:rPr lang="en-US" smtClean="0"/>
-              <a:t>4/20/2021</a:t>
+              <a:t>4/21/21</a:t>
             </a:fld>
             <a:endParaRPr lang="en-US"/>
           </a:p>
@@ -459,7 +459,7 @@
           <a:p>
             <a:fld id="{E1401BA4-237C-B44E-BFA4-C7505F294036}" type="datetimeFigureOut">
               <a:rPr lang="en-US" smtClean="0"/>
-              <a:t>4/20/2021</a:t>
+              <a:t>4/21/21</a:t>
             </a:fld>
             <a:endParaRPr lang="en-US"/>
           </a:p>
@@ -667,7 +667,7 @@
           <a:p>
             <a:fld id="{E1401BA4-237C-B44E-BFA4-C7505F294036}" type="datetimeFigureOut">
               <a:rPr lang="en-US" smtClean="0"/>
-              <a:t>4/20/2021</a:t>
+              <a:t>4/21/21</a:t>
             </a:fld>
             <a:endParaRPr lang="en-US"/>
           </a:p>
@@ -865,7 +865,7 @@
           <a:p>
             <a:fld id="{E1401BA4-237C-B44E-BFA4-C7505F294036}" type="datetimeFigureOut">
               <a:rPr lang="en-US" smtClean="0"/>
-              <a:t>4/20/2021</a:t>
+              <a:t>4/21/21</a:t>
             </a:fld>
             <a:endParaRPr lang="en-US"/>
           </a:p>
@@ -1140,7 +1140,7 @@
           <a:p>
             <a:fld id="{E1401BA4-237C-B44E-BFA4-C7505F294036}" type="datetimeFigureOut">
               <a:rPr lang="en-US" smtClean="0"/>
-              <a:t>4/20/2021</a:t>
+              <a:t>4/21/21</a:t>
             </a:fld>
             <a:endParaRPr lang="en-US"/>
           </a:p>
@@ -1405,7 +1405,7 @@
           <a:p>
             <a:fld id="{E1401BA4-237C-B44E-BFA4-C7505F294036}" type="datetimeFigureOut">
               <a:rPr lang="en-US" smtClean="0"/>
-              <a:t>4/20/2021</a:t>
+              <a:t>4/21/21</a:t>
             </a:fld>
             <a:endParaRPr lang="en-US"/>
           </a:p>
@@ -1817,7 +1817,7 @@
           <a:p>
             <a:fld id="{E1401BA4-237C-B44E-BFA4-C7505F294036}" type="datetimeFigureOut">
               <a:rPr lang="en-US" smtClean="0"/>
-              <a:t>4/20/2021</a:t>
+              <a:t>4/21/21</a:t>
             </a:fld>
             <a:endParaRPr lang="en-US"/>
           </a:p>
@@ -1958,7 +1958,7 @@
           <a:p>
             <a:fld id="{E1401BA4-237C-B44E-BFA4-C7505F294036}" type="datetimeFigureOut">
               <a:rPr lang="en-US" smtClean="0"/>
-              <a:t>4/20/2021</a:t>
+              <a:t>4/21/21</a:t>
             </a:fld>
             <a:endParaRPr lang="en-US"/>
           </a:p>
@@ -2071,7 +2071,7 @@
           <a:p>
             <a:fld id="{E1401BA4-237C-B44E-BFA4-C7505F294036}" type="datetimeFigureOut">
               <a:rPr lang="en-US" smtClean="0"/>
-              <a:t>4/20/2021</a:t>
+              <a:t>4/21/21</a:t>
             </a:fld>
             <a:endParaRPr lang="en-US"/>
           </a:p>
@@ -2382,7 +2382,7 @@
           <a:p>
             <a:fld id="{E1401BA4-237C-B44E-BFA4-C7505F294036}" type="datetimeFigureOut">
               <a:rPr lang="en-US" smtClean="0"/>
-              <a:t>4/20/2021</a:t>
+              <a:t>4/21/21</a:t>
             </a:fld>
             <a:endParaRPr lang="en-US"/>
           </a:p>
@@ -2670,7 +2670,7 @@
           <a:p>
             <a:fld id="{E1401BA4-237C-B44E-BFA4-C7505F294036}" type="datetimeFigureOut">
               <a:rPr lang="en-US" smtClean="0"/>
-              <a:t>4/20/2021</a:t>
+              <a:t>4/21/21</a:t>
             </a:fld>
             <a:endParaRPr lang="en-US"/>
           </a:p>
@@ -2911,7 +2911,7 @@
           <a:p>
             <a:fld id="{E1401BA4-237C-B44E-BFA4-C7505F294036}" type="datetimeFigureOut">
               <a:rPr lang="en-US" smtClean="0"/>
-              <a:t>4/20/2021</a:t>
+              <a:t>4/21/21</a:t>
             </a:fld>
             <a:endParaRPr lang="en-US"/>
           </a:p>
@@ -3416,10 +3416,9 @@
           <a:p>
             <a:pPr algn="ctr"/>
             <a:r>
-              <a:rPr lang="en-US" dirty="0" err="1"/>
+              <a:rPr lang="en-US" dirty="0"/>
               <a:t>SharedResource</a:t>
             </a:r>
-            <a:endParaRPr lang="en-US" dirty="0"/>
           </a:p>
         </p:txBody>
       </p:sp>
@@ -3465,7 +3464,7 @@
             <a:pPr algn="ctr"/>
             <a:r>
               <a:rPr lang="en-US" dirty="0"/>
-              <a:t>Azure Blob Storage</a:t>
+              <a:t>LeaseManager</a:t>
             </a:r>
           </a:p>
         </p:txBody>
@@ -3622,7 +3621,7 @@
           <a:p>
             <a:r>
               <a:rPr lang="en-US" sz="1600" dirty="0"/>
-              <a:t>    3. Attempt to get an exclusive lease on a blob (partition)</a:t>
+              <a:t>    3. Attempt to get an exclusive lease on a partition</a:t>
             </a:r>
           </a:p>
           <a:p>
@@ -3652,7 +3651,15 @@
           <a:p>
             <a:r>
               <a:rPr lang="en-US" sz="1600" dirty="0"/>
-              <a:t>6. 15 seconds after a lease is obtained…</a:t>
+              <a:t>6. “x” seconds after a lease is obtained </a:t>
+            </a:r>
+            <a:r>
+              <a:rPr lang="en-US" sz="1400" dirty="0"/>
+              <a:t>(with AzureBlobLeaseManager “x” is 15)</a:t>
+            </a:r>
+            <a:r>
+              <a:rPr lang="en-US" sz="1600" dirty="0"/>
+              <a:t>…</a:t>
             </a:r>
           </a:p>
           <a:p>
@@ -3690,7 +3697,7 @@
         <p:spPr>
           <a:xfrm>
             <a:off x="8740948" y="1438506"/>
-            <a:ext cx="3451052" cy="2062103"/>
+            <a:ext cx="3451052" cy="2554545"/>
           </a:xfrm>
           <a:prstGeom prst="rect">
             <a:avLst/>
@@ -3723,8 +3730,15 @@
           <a:p>
             <a:r>
               <a:rPr lang="en-US" sz="1600" dirty="0"/>
-              <a:t>3. Provides the exclusive lease or returns an error</a:t>
-            </a:r>
+              <a:t>3. Procures an exclusive lease from the underlying partition system</a:t>
+            </a:r>
+          </a:p>
+          <a:p>
+            <a:r>
+              <a:rPr lang="en-US" sz="1400" dirty="0"/>
+              <a:t>(with AzureBlobLeaseManager that is Azure Blob Storage)</a:t>
+            </a:r>
+            <a:endParaRPr lang="en-US" sz="1600" dirty="0"/>
           </a:p>
         </p:txBody>
       </p:sp>
@@ -3772,7 +3786,7 @@
         </p:nvGrpSpPr>
         <p:grpSpPr>
           <a:xfrm>
-            <a:off x="814038" y="407019"/>
+            <a:off x="796181" y="422942"/>
             <a:ext cx="8017728" cy="4282068"/>
             <a:chOff x="390293" y="245327"/>
             <a:chExt cx="5163014" cy="4282068"/>
@@ -4063,10 +4077,9 @@
             <a:p>
               <a:pPr algn="ctr"/>
               <a:r>
-                <a:rPr lang="en-US" dirty="0" err="1"/>
+                <a:rPr lang="en-US" dirty="0"/>
                 <a:t>SharedResource</a:t>
               </a:r>
-              <a:endParaRPr lang="en-US" dirty="0"/>
             </a:p>
           </p:txBody>
         </p:sp>
@@ -4179,10 +4192,9 @@
             <a:p>
               <a:pPr algn="ctr"/>
               <a:r>
-                <a:rPr lang="en-US" dirty="0" err="1"/>
+                <a:rPr lang="en-US" dirty="0"/>
                 <a:t>SharedResource</a:t>
               </a:r>
-              <a:endParaRPr lang="en-US" dirty="0"/>
             </a:p>
           </p:txBody>
         </p:sp>
@@ -5382,7 +5394,7 @@
               <a:buAutoNum type="arabicPeriod"/>
             </a:pPr>
             <a:r>
-              <a:rPr lang="en-US" sz="1400" dirty="0"/>
+              <a:rPr lang="en-US" sz="1300" dirty="0"/>
               <a:t>A user sends 3 records to insert into Cosmos.</a:t>
             </a:r>
           </a:p>
@@ -5390,14 +5402,14 @@
             <a:pPr marL="342900" indent="-342900">
               <a:buAutoNum type="arabicPeriod"/>
             </a:pPr>
-            <a:endParaRPr lang="en-US" sz="1400" dirty="0"/>
+            <a:endParaRPr lang="en-US" sz="1300" dirty="0"/>
           </a:p>
           <a:p>
             <a:pPr marL="342900" indent="-342900">
               <a:buAutoNum type="arabicPeriod"/>
             </a:pPr>
             <a:r>
-              <a:rPr lang="en-US" sz="1400" dirty="0"/>
+              <a:rPr lang="en-US" sz="1300" dirty="0"/>
               <a:t>The records are wrapped as Operations and sent to the appropriate Batcher.</a:t>
             </a:r>
           </a:p>
@@ -5405,38 +5417,170 @@
             <a:pPr marL="342900" indent="-342900">
               <a:buAutoNum type="arabicPeriod"/>
             </a:pPr>
-            <a:endParaRPr lang="en-US" sz="1400" dirty="0"/>
+            <a:endParaRPr lang="en-US" sz="1300" dirty="0"/>
           </a:p>
           <a:p>
             <a:pPr marL="342900" indent="-342900">
               <a:buAutoNum type="arabicPeriod"/>
             </a:pPr>
             <a:r>
-              <a:rPr lang="en-US" sz="1400" dirty="0"/>
-              <a:t>The </a:t>
-            </a:r>
-            <a:r>
-              <a:rPr lang="en-US" sz="1400" dirty="0" err="1"/>
-              <a:t>SharedResource</a:t>
-            </a:r>
-            <a:r>
-              <a:rPr lang="en-US" sz="1400" dirty="0"/>
-              <a:t> leases partitions so that it can safely use capacity.</a:t>
+              <a:rPr lang="en-US" sz="1300" dirty="0"/>
+              <a:t>The SharedResource uses AzureBlobLeaseManager to lease partitions so that it can safely use capacity.</a:t>
             </a:r>
           </a:p>
           <a:p>
             <a:pPr marL="342900" indent="-342900">
               <a:buAutoNum type="arabicPeriod"/>
             </a:pPr>
-            <a:endParaRPr lang="en-US" sz="1400" dirty="0"/>
+            <a:endParaRPr lang="en-US" sz="1300" dirty="0"/>
           </a:p>
           <a:p>
             <a:pPr marL="342900" indent="-342900">
               <a:buAutoNum type="arabicPeriod"/>
             </a:pPr>
             <a:r>
-              <a:rPr lang="en-US" sz="1400" dirty="0"/>
+              <a:rPr lang="en-US" sz="1300" dirty="0"/>
               <a:t>The Batcher raises the batch back to the Watcher for processing.</a:t>
+            </a:r>
+          </a:p>
+        </p:txBody>
+      </p:sp>
+      <p:sp>
+        <p:nvSpPr>
+          <p:cNvPr id="2" name="Hexagon 1">
+            <a:extLst>
+              <a:ext uri="{FF2B5EF4-FFF2-40B4-BE49-F238E27FC236}">
+                <a16:creationId xmlns:a16="http://schemas.microsoft.com/office/drawing/2014/main" id="{E003EA48-7C68-924B-916C-9A03052A0FD8}"/>
+              </a:ext>
+            </a:extLst>
+          </p:cNvPr>
+          <p:cNvSpPr/>
+          <p:nvPr/>
+        </p:nvSpPr>
+        <p:spPr>
+          <a:xfrm>
+            <a:off x="5045247" y="2013804"/>
+            <a:ext cx="906425" cy="638897"/>
+          </a:xfrm>
+          <a:prstGeom prst="hexagon">
+            <a:avLst/>
+          </a:prstGeom>
+        </p:spPr>
+        <p:style>
+          <a:lnRef idx="2">
+            <a:schemeClr val="accent1">
+              <a:shade val="50000"/>
+            </a:schemeClr>
+          </a:lnRef>
+          <a:fillRef idx="1">
+            <a:schemeClr val="accent1"/>
+          </a:fillRef>
+          <a:effectRef idx="0">
+            <a:schemeClr val="accent1"/>
+          </a:effectRef>
+          <a:fontRef idx="minor">
+            <a:schemeClr val="lt1"/>
+          </a:fontRef>
+        </p:style>
+        <p:txBody>
+          <a:bodyPr rtlCol="0" anchor="ctr"/>
+          <a:lstStyle/>
+          <a:p>
+            <a:pPr algn="ctr"/>
+            <a:r>
+              <a:rPr lang="en-US" sz="1000" dirty="0"/>
+              <a:t>Azure</a:t>
+            </a:r>
+          </a:p>
+          <a:p>
+            <a:pPr algn="ctr"/>
+            <a:r>
+              <a:rPr lang="en-US" sz="1000" dirty="0"/>
+              <a:t>Blob</a:t>
+            </a:r>
+          </a:p>
+          <a:p>
+            <a:pPr algn="ctr"/>
+            <a:r>
+              <a:rPr lang="en-US" sz="1000" dirty="0"/>
+              <a:t>Lease</a:t>
+            </a:r>
+          </a:p>
+          <a:p>
+            <a:pPr algn="ctr"/>
+            <a:r>
+              <a:rPr lang="en-US" sz="1000" dirty="0"/>
+              <a:t>Manager</a:t>
+            </a:r>
+          </a:p>
+        </p:txBody>
+      </p:sp>
+      <p:sp>
+        <p:nvSpPr>
+          <p:cNvPr id="3" name="Hexagon 2">
+            <a:extLst>
+              <a:ext uri="{FF2B5EF4-FFF2-40B4-BE49-F238E27FC236}">
+                <a16:creationId xmlns:a16="http://schemas.microsoft.com/office/drawing/2014/main" id="{23C07FFE-08E3-0A4F-9286-FFF9813FFECF}"/>
+              </a:ext>
+            </a:extLst>
+          </p:cNvPr>
+          <p:cNvSpPr/>
+          <p:nvPr/>
+        </p:nvSpPr>
+        <p:spPr>
+          <a:xfrm>
+            <a:off x="5124149" y="3690381"/>
+            <a:ext cx="906425" cy="638897"/>
+          </a:xfrm>
+          <a:prstGeom prst="hexagon">
+            <a:avLst/>
+          </a:prstGeom>
+        </p:spPr>
+        <p:style>
+          <a:lnRef idx="2">
+            <a:schemeClr val="accent1">
+              <a:shade val="50000"/>
+            </a:schemeClr>
+          </a:lnRef>
+          <a:fillRef idx="1">
+            <a:schemeClr val="accent1"/>
+          </a:fillRef>
+          <a:effectRef idx="0">
+            <a:schemeClr val="accent1"/>
+          </a:effectRef>
+          <a:fontRef idx="minor">
+            <a:schemeClr val="lt1"/>
+          </a:fontRef>
+        </p:style>
+        <p:txBody>
+          <a:bodyPr rtlCol="0" anchor="ctr"/>
+          <a:lstStyle/>
+          <a:p>
+            <a:pPr algn="ctr"/>
+            <a:r>
+              <a:rPr lang="en-US" sz="1000" dirty="0"/>
+              <a:t>Azure</a:t>
+            </a:r>
+          </a:p>
+          <a:p>
+            <a:pPr algn="ctr"/>
+            <a:r>
+              <a:rPr lang="en-US" sz="1000" dirty="0"/>
+              <a:t>Blob</a:t>
+            </a:r>
+          </a:p>
+          <a:p>
+            <a:pPr algn="ctr"/>
+            <a:r>
+              <a:rPr lang="en-US" sz="1000" dirty="0"/>
+              <a:t>Lease</a:t>
+            </a:r>
+          </a:p>
+          <a:p>
+            <a:pPr algn="ctr"/>
+            <a:r>
+              <a:rPr lang="en-US" sz="1000" dirty="0"/>
+              <a:t>Manager</a:t>
             </a:r>
           </a:p>
         </p:txBody>
@@ -8709,8 +8853,8 @@
         </p:nvSpPr>
         <p:spPr>
           <a:xfrm>
-            <a:off x="7904389" y="5008058"/>
-            <a:ext cx="4107696" cy="830997"/>
+            <a:off x="7904388" y="5008058"/>
+            <a:ext cx="4227381" cy="830997"/>
           </a:xfrm>
           <a:prstGeom prst="rect">
             <a:avLst/>
@@ -8763,7 +8907,7 @@
                 </a:solidFill>
                 <a:latin typeface="Open sans"/>
               </a:rPr>
-              <a:t>Cosmos Capacity: (4 replicas * 2K RU) + 18K RU = 26K RU</a:t>
+              <a:t>- Cosmos Capacity: (4 replicas * 2K RU) + 18K RU = 26K RU</a:t>
             </a:r>
           </a:p>
         </p:txBody>
